--- a/presentation/cemetery_PSA_jb.pptx
+++ b/presentation/cemetery_PSA_jb.pptx
@@ -11,7 +11,6 @@
     <p:sldId id="261" r:id="rId5"/>
     <p:sldId id="260" r:id="rId6"/>
     <p:sldId id="262" r:id="rId7"/>
-    <p:sldId id="259" r:id="rId8"/>
   </p:sldIdLst>
   <p:sldSz cx="12192000" cy="6858000"/>
   <p:notesSz cx="6858000" cy="9144000"/>
@@ -116,14 +115,6 @@
     </p:ext>
   </p:extLst>
 </p:presentation>
-</file>
-
-<file path=ppt/revisionInfo.xml><?xml version="1.0" encoding="utf-8"?>
-<p1510:revInfo xmlns:a="http://schemas.openxmlformats.org/drawingml/2006/main" xmlns:r="http://schemas.openxmlformats.org/officeDocument/2006/relationships" xmlns:p1510="http://schemas.microsoft.com/office/powerpoint/2015/10/main">
-  <p1510:revLst>
-    <p1510:client id="{DAACBAD4-FD1E-4092-ACA1-87D7B70267D7}" v="17" dt="2023-01-29T14:49:01.912"/>
-  </p1510:revLst>
-</p1510:revInfo>
 </file>
 
 <file path=ppt/charts/chart1.xml><?xml version="1.0" encoding="utf-8"?>
@@ -21064,93 +21055,6 @@
 </p:sld>
 </file>
 
-<file path=ppt/slides/slide7.xml><?xml version="1.0" encoding="utf-8"?>
-<p:sld xmlns:a="http://schemas.openxmlformats.org/drawingml/2006/main" xmlns:r="http://schemas.openxmlformats.org/officeDocument/2006/relationships" xmlns:p="http://schemas.openxmlformats.org/presentationml/2006/main">
-  <p:cSld>
-    <p:spTree>
-      <p:nvGrpSpPr>
-        <p:cNvPr id="1" name=""/>
-        <p:cNvGrpSpPr/>
-        <p:nvPr/>
-      </p:nvGrpSpPr>
-      <p:grpSpPr>
-        <a:xfrm>
-          <a:off x="0" y="0"/>
-          <a:ext cx="0" cy="0"/>
-          <a:chOff x="0" y="0"/>
-          <a:chExt cx="0" cy="0"/>
-        </a:xfrm>
-      </p:grpSpPr>
-      <p:sp>
-        <p:nvSpPr>
-          <p:cNvPr id="2" name="Title 1">
-            <a:extLst>
-              <a:ext uri="{FF2B5EF4-FFF2-40B4-BE49-F238E27FC236}">
-                <a16:creationId xmlns:a16="http://schemas.microsoft.com/office/drawing/2014/main" id="{FE973FB8-A2C6-59B4-12F8-6D77A5584D43}"/>
-              </a:ext>
-            </a:extLst>
-          </p:cNvPr>
-          <p:cNvSpPr>
-            <a:spLocks noGrp="1"/>
-          </p:cNvSpPr>
-          <p:nvPr>
-            <p:ph type="title"/>
-          </p:nvPr>
-        </p:nvSpPr>
-        <p:spPr/>
-        <p:txBody>
-          <a:bodyPr/>
-          <a:lstStyle/>
-          <a:p>
-            <a:endParaRPr lang="en-US" dirty="0"/>
-          </a:p>
-        </p:txBody>
-      </p:sp>
-      <p:pic>
-        <p:nvPicPr>
-          <p:cNvPr id="7" name="Content Placeholder 6">
-            <a:extLst>
-              <a:ext uri="{FF2B5EF4-FFF2-40B4-BE49-F238E27FC236}">
-                <a16:creationId xmlns:a16="http://schemas.microsoft.com/office/drawing/2014/main" id="{08A4B2B7-0D5C-701C-B40C-FF1FC79926A9}"/>
-              </a:ext>
-            </a:extLst>
-          </p:cNvPr>
-          <p:cNvPicPr>
-            <a:picLocks noGrp="1" noChangeAspect="1"/>
-          </p:cNvPicPr>
-          <p:nvPr>
-            <p:ph idx="1"/>
-          </p:nvPr>
-        </p:nvPicPr>
-        <p:blipFill>
-          <a:blip r:embed="rId2"/>
-          <a:stretch>
-            <a:fillRect/>
-          </a:stretch>
-        </p:blipFill>
-        <p:spPr>
-          <a:xfrm>
-            <a:off x="3007614" y="2613767"/>
-            <a:ext cx="5121084" cy="3395766"/>
-          </a:xfrm>
-          <a:prstGeom prst="rect">
-            <a:avLst/>
-          </a:prstGeom>
-        </p:spPr>
-      </p:pic>
-    </p:spTree>
-    <p:extLst>
-      <p:ext uri="{BB962C8B-B14F-4D97-AF65-F5344CB8AC3E}">
-        <p14:creationId xmlns:p14="http://schemas.microsoft.com/office/powerpoint/2010/main" val="1743742161"/>
-      </p:ext>
-    </p:extLst>
-  </p:cSld>
-  <p:clrMapOvr>
-    <a:masterClrMapping/>
-  </p:clrMapOvr>
-</p:sld>
-</file>
-
 <file path=ppt/theme/theme1.xml><?xml version="1.0" encoding="utf-8"?>
 <a:theme xmlns:a="http://schemas.openxmlformats.org/drawingml/2006/main" name="Ion Boardroom">
   <a:themeElements>
